--- a/ScalableMLModelOnWebAPI/Diagrams.pptx
+++ b/ScalableMLModelOnWebAPI/Diagrams.pptx
@@ -5793,7 +5793,7 @@
         </p:blipFill>
         <p:spPr bwMode="auto">
           <a:xfrm>
-            <a:off x="1465873" y="916088"/>
+            <a:off x="2398239" y="1308775"/>
             <a:ext cx="6126480" cy="3923030"/>
           </a:xfrm>
           <a:prstGeom prst="rect">
@@ -5819,7 +5819,7 @@
         </p:nvSpPr>
         <p:spPr>
           <a:xfrm>
-            <a:off x="1413675" y="875131"/>
+            <a:off x="2346041" y="1267818"/>
             <a:ext cx="6178678" cy="820415"/>
           </a:xfrm>
           <a:prstGeom prst="roundRect">
@@ -5871,8 +5871,8 @@
         </p:nvSpPr>
         <p:spPr>
           <a:xfrm>
-            <a:off x="7775205" y="1695546"/>
-            <a:ext cx="527323" cy="3143572"/>
+            <a:off x="8707571" y="2159779"/>
+            <a:ext cx="527323" cy="3072026"/>
           </a:xfrm>
           <a:prstGeom prst="upDownArrow">
             <a:avLst/>
@@ -5925,7 +5925,7 @@
         </p:nvSpPr>
         <p:spPr>
           <a:xfrm>
-            <a:off x="8219443" y="3055003"/>
+            <a:off x="9151809" y="3447690"/>
             <a:ext cx="3040191" cy="646331"/>
           </a:xfrm>
           <a:prstGeom prst="rect">
@@ -5948,6 +5948,105 @@
               <a:rPr lang="en-US" dirty="0"/>
               <a:t>for advanced users, etc.</a:t>
             </a:r>
+          </a:p>
+        </p:txBody>
+      </p:sp>
+      <p:sp>
+        <p:nvSpPr>
+          <p:cNvPr id="8" name="Rectangle 7">
+            <a:extLst>
+              <a:ext uri="{FF2B5EF4-FFF2-40B4-BE49-F238E27FC236}">
+                <a16:creationId xmlns:a16="http://schemas.microsoft.com/office/drawing/2014/main" id="{3BCB4540-EE5E-48D4-93CC-955944AEA7E5}"/>
+              </a:ext>
+            </a:extLst>
+          </p:cNvPr>
+          <p:cNvSpPr/>
+          <p:nvPr/>
+        </p:nvSpPr>
+        <p:spPr>
+          <a:xfrm>
+            <a:off x="403907" y="1354859"/>
+            <a:ext cx="1535998" cy="646331"/>
+          </a:xfrm>
+          <a:prstGeom prst="rect">
+            <a:avLst/>
+          </a:prstGeom>
+        </p:spPr>
+        <p:txBody>
+          <a:bodyPr wrap="none">
+            <a:spAutoFit/>
+          </a:bodyPr>
+          <a:lstStyle/>
+          <a:p>
+            <a:r>
+              <a:rPr lang="en-US" dirty="0"/>
+              <a:t>“Top” area is </a:t>
+            </a:r>
+          </a:p>
+          <a:p>
+            <a:r>
+              <a:rPr lang="en-US" dirty="0"/>
+              <a:t>‘always’ there.</a:t>
+            </a:r>
+          </a:p>
+        </p:txBody>
+      </p:sp>
+      <p:sp>
+        <p:nvSpPr>
+          <p:cNvPr id="9" name="Arrow: Right 8">
+            <a:extLst>
+              <a:ext uri="{FF2B5EF4-FFF2-40B4-BE49-F238E27FC236}">
+                <a16:creationId xmlns:a16="http://schemas.microsoft.com/office/drawing/2014/main" id="{BA9FA414-6138-4A30-BCAD-F8808D22EF1F}"/>
+              </a:ext>
+            </a:extLst>
+          </p:cNvPr>
+          <p:cNvSpPr/>
+          <p:nvPr/>
+        </p:nvSpPr>
+        <p:spPr>
+          <a:xfrm>
+            <a:off x="1939905" y="1440965"/>
+            <a:ext cx="291710" cy="476835"/>
+          </a:xfrm>
+          <a:prstGeom prst="rightArrow">
+            <a:avLst/>
+          </a:prstGeom>
+          <a:solidFill>
+            <a:schemeClr val="bg1">
+              <a:lumMod val="65000"/>
+            </a:schemeClr>
+          </a:solidFill>
+          <a:ln>
+            <a:noFill/>
+          </a:ln>
+        </p:spPr>
+        <p:style>
+          <a:lnRef idx="2">
+            <a:schemeClr val="accent1">
+              <a:shade val="50000"/>
+            </a:schemeClr>
+          </a:lnRef>
+          <a:fillRef idx="1">
+            <a:schemeClr val="accent1"/>
+          </a:fillRef>
+          <a:effectRef idx="0">
+            <a:schemeClr val="accent1"/>
+          </a:effectRef>
+          <a:fontRef idx="minor">
+            <a:schemeClr val="lt1"/>
+          </a:fontRef>
+        </p:style>
+        <p:txBody>
+          <a:bodyPr rot="0" spcFirstLastPara="0" vertOverflow="overflow" horzOverflow="overflow" vert="horz" wrap="square" lIns="91440" tIns="45720" rIns="91440" bIns="45720" numCol="1" spcCol="0" rtlCol="0" fromWordArt="0" anchor="ctr" anchorCtr="0" forceAA="0" compatLnSpc="1">
+            <a:prstTxWarp prst="textNoShape">
+              <a:avLst/>
+            </a:prstTxWarp>
+            <a:noAutofit/>
+          </a:bodyPr>
+          <a:lstStyle/>
+          <a:p>
+            <a:pPr algn="ctr"/>
+            <a:endParaRPr lang="en-US"/>
           </a:p>
         </p:txBody>
       </p:sp>

--- a/ScalableMLModelOnWebAPI/Diagrams.pptx
+++ b/ScalableMLModelOnWebAPI/Diagrams.pptx
@@ -199,7 +199,7 @@
           <a:p>
             <a:fld id="{670992A0-18AF-483C-9CA5-5E744E1510F2}" type="datetimeFigureOut">
               <a:rPr lang="en-US" smtClean="0"/>
-              <a:t>3/20/2019</a:t>
+              <a:t>3/23/2019</a:t>
             </a:fld>
             <a:endParaRPr lang="en-US"/>
           </a:p>
@@ -865,7 +865,7 @@
           <a:p>
             <a:fld id="{D2F8B268-8E0F-4DD6-826C-55B488544B26}" type="datetimeFigureOut">
               <a:rPr lang="en-US" smtClean="0"/>
-              <a:t>3/20/2019</a:t>
+              <a:t>3/23/2019</a:t>
             </a:fld>
             <a:endParaRPr lang="en-US"/>
           </a:p>
@@ -1063,7 +1063,7 @@
           <a:p>
             <a:fld id="{D2F8B268-8E0F-4DD6-826C-55B488544B26}" type="datetimeFigureOut">
               <a:rPr lang="en-US" smtClean="0"/>
-              <a:t>3/20/2019</a:t>
+              <a:t>3/23/2019</a:t>
             </a:fld>
             <a:endParaRPr lang="en-US"/>
           </a:p>
@@ -1271,7 +1271,7 @@
           <a:p>
             <a:fld id="{D2F8B268-8E0F-4DD6-826C-55B488544B26}" type="datetimeFigureOut">
               <a:rPr lang="en-US" smtClean="0"/>
-              <a:t>3/20/2019</a:t>
+              <a:t>3/23/2019</a:t>
             </a:fld>
             <a:endParaRPr lang="en-US"/>
           </a:p>
@@ -1469,7 +1469,7 @@
           <a:p>
             <a:fld id="{D2F8B268-8E0F-4DD6-826C-55B488544B26}" type="datetimeFigureOut">
               <a:rPr lang="en-US" smtClean="0"/>
-              <a:t>3/20/2019</a:t>
+              <a:t>3/23/2019</a:t>
             </a:fld>
             <a:endParaRPr lang="en-US"/>
           </a:p>
@@ -1744,7 +1744,7 @@
           <a:p>
             <a:fld id="{D2F8B268-8E0F-4DD6-826C-55B488544B26}" type="datetimeFigureOut">
               <a:rPr lang="en-US" smtClean="0"/>
-              <a:t>3/20/2019</a:t>
+              <a:t>3/23/2019</a:t>
             </a:fld>
             <a:endParaRPr lang="en-US"/>
           </a:p>
@@ -2009,7 +2009,7 @@
           <a:p>
             <a:fld id="{D2F8B268-8E0F-4DD6-826C-55B488544B26}" type="datetimeFigureOut">
               <a:rPr lang="en-US" smtClean="0"/>
-              <a:t>3/20/2019</a:t>
+              <a:t>3/23/2019</a:t>
             </a:fld>
             <a:endParaRPr lang="en-US"/>
           </a:p>
@@ -2421,7 +2421,7 @@
           <a:p>
             <a:fld id="{D2F8B268-8E0F-4DD6-826C-55B488544B26}" type="datetimeFigureOut">
               <a:rPr lang="en-US" smtClean="0"/>
-              <a:t>3/20/2019</a:t>
+              <a:t>3/23/2019</a:t>
             </a:fld>
             <a:endParaRPr lang="en-US"/>
           </a:p>
@@ -2562,7 +2562,7 @@
           <a:p>
             <a:fld id="{D2F8B268-8E0F-4DD6-826C-55B488544B26}" type="datetimeFigureOut">
               <a:rPr lang="en-US" smtClean="0"/>
-              <a:t>3/20/2019</a:t>
+              <a:t>3/23/2019</a:t>
             </a:fld>
             <a:endParaRPr lang="en-US"/>
           </a:p>
@@ -2675,7 +2675,7 @@
           <a:p>
             <a:fld id="{D2F8B268-8E0F-4DD6-826C-55B488544B26}" type="datetimeFigureOut">
               <a:rPr lang="en-US" smtClean="0"/>
-              <a:t>3/20/2019</a:t>
+              <a:t>3/23/2019</a:t>
             </a:fld>
             <a:endParaRPr lang="en-US"/>
           </a:p>
@@ -2986,7 +2986,7 @@
           <a:p>
             <a:fld id="{D2F8B268-8E0F-4DD6-826C-55B488544B26}" type="datetimeFigureOut">
               <a:rPr lang="en-US" smtClean="0"/>
-              <a:t>3/20/2019</a:t>
+              <a:t>3/23/2019</a:t>
             </a:fld>
             <a:endParaRPr lang="en-US"/>
           </a:p>
@@ -3274,7 +3274,7 @@
           <a:p>
             <a:fld id="{D2F8B268-8E0F-4DD6-826C-55B488544B26}" type="datetimeFigureOut">
               <a:rPr lang="en-US" smtClean="0"/>
-              <a:t>3/20/2019</a:t>
+              <a:t>3/23/2019</a:t>
             </a:fld>
             <a:endParaRPr lang="en-US"/>
           </a:p>
@@ -3515,7 +3515,7 @@
           <a:p>
             <a:fld id="{D2F8B268-8E0F-4DD6-826C-55B488544B26}" type="datetimeFigureOut">
               <a:rPr lang="en-US" smtClean="0"/>
-              <a:t>3/20/2019</a:t>
+              <a:t>3/23/2019</a:t>
             </a:fld>
             <a:endParaRPr lang="en-US"/>
           </a:p>
@@ -4397,21 +4397,7 @@
                 <a:latin typeface="Segoe UI Light" panose="020B0502040204020203" pitchFamily="34" charset="0"/>
                 <a:cs typeface="Segoe UI Light" panose="020B0502040204020203" pitchFamily="34" charset="0"/>
               </a:rPr>
-              <a:t>Transient/</a:t>
-            </a:r>
-            <a:r>
-              <a:rPr lang="en-US" sz="1400" dirty="0" err="1">
-                <a:latin typeface="Segoe UI Light" panose="020B0502040204020203" pitchFamily="34" charset="0"/>
-                <a:cs typeface="Segoe UI Light" panose="020B0502040204020203" pitchFamily="34" charset="0"/>
-              </a:rPr>
-              <a:t>PerCall</a:t>
-            </a:r>
-            <a:r>
-              <a:rPr lang="en-US" sz="1400" dirty="0">
-                <a:latin typeface="Segoe UI Light" panose="020B0502040204020203" pitchFamily="34" charset="0"/>
-                <a:cs typeface="Segoe UI Light" panose="020B0502040204020203" pitchFamily="34" charset="0"/>
-              </a:rPr>
-              <a:t> is NOT an optimal approach</a:t>
+              <a:t>Transient/PerCall is NOT an optimal approach</a:t>
             </a:r>
           </a:p>
         </p:txBody>
